--- a/Day4Labs.pptx
+++ b/Day4Labs.pptx
@@ -11934,7 +11934,7 @@
             </a:pPr>
             <a:r>
               <a:rPr lang="en-US"/>
-              <a:t>Your setters must validate data print errors for invalid values: </a:t>
+              <a:t>Your setters must validate data, print errors for invalid values: </a:t>
             </a:r>
           </a:p>
           <a:p>
